--- a/BTS ppt.pptx
+++ b/BTS ppt.pptx
@@ -11,11 +11,13 @@
     <p:sldId id="259" r:id="rId5"/>
     <p:sldId id="268" r:id="rId6"/>
     <p:sldId id="260" r:id="rId7"/>
-    <p:sldId id="261" r:id="rId8"/>
-    <p:sldId id="263" r:id="rId9"/>
-    <p:sldId id="264" r:id="rId10"/>
-    <p:sldId id="266" r:id="rId11"/>
-    <p:sldId id="267" r:id="rId12"/>
+    <p:sldId id="269" r:id="rId8"/>
+    <p:sldId id="270" r:id="rId9"/>
+    <p:sldId id="261" r:id="rId10"/>
+    <p:sldId id="263" r:id="rId11"/>
+    <p:sldId id="264" r:id="rId12"/>
+    <p:sldId id="266" r:id="rId13"/>
+    <p:sldId id="267" r:id="rId14"/>
   </p:sldIdLst>
   <p:sldSz cx="12192000" cy="6858000"/>
   <p:notesSz cx="6858000" cy="9144000"/>
@@ -708,7 +710,7 @@
           <a:p>
             <a:fld id="{1160EA64-D806-43AC-9DF2-F8C432F32B4C}" type="datetimeFigureOut">
               <a:rPr lang="en-US" dirty="0"/>
-              <a:t>3/2/2022</a:t>
+              <a:t>3/3/2022</a:t>
             </a:fld>
             <a:endParaRPr lang="en-US" dirty="0"/>
           </a:p>
@@ -874,7 +876,7 @@
           <a:p>
             <a:fld id="{E9F9C37B-1D36-470B-8223-D6C91242EC14}" type="datetimeFigureOut">
               <a:rPr lang="en-US" dirty="0"/>
-              <a:t>3/2/2022</a:t>
+              <a:t>3/3/2022</a:t>
             </a:fld>
             <a:endParaRPr lang="en-US" dirty="0"/>
           </a:p>
@@ -1049,7 +1051,7 @@
           <a:p>
             <a:fld id="{67C6F52A-A82B-47A2-A83A-8C4C91F2D59F}" type="datetimeFigureOut">
               <a:rPr lang="en-US" dirty="0"/>
-              <a:t>3/2/2022</a:t>
+              <a:t>3/3/2022</a:t>
             </a:fld>
             <a:endParaRPr lang="en-US" dirty="0"/>
           </a:p>
@@ -1214,7 +1216,7 @@
           <a:p>
             <a:fld id="{F070A7B3-6521-4DCA-87E5-044747A908C1}" type="datetimeFigureOut">
               <a:rPr lang="en-US" dirty="0"/>
-              <a:t>3/2/2022</a:t>
+              <a:t>3/3/2022</a:t>
             </a:fld>
             <a:endParaRPr lang="en-US" dirty="0"/>
           </a:p>
@@ -1478,7 +1480,7 @@
           <a:p>
             <a:fld id="{1160EA64-D806-43AC-9DF2-F8C432F32B4C}" type="datetimeFigureOut">
               <a:rPr lang="en-US" dirty="0"/>
-              <a:t>3/2/2022</a:t>
+              <a:t>3/3/2022</a:t>
             </a:fld>
             <a:endParaRPr lang="en-US" dirty="0"/>
           </a:p>
@@ -1706,7 +1708,7 @@
           <a:p>
             <a:fld id="{AB134690-1557-4C89-A502-4959FE7FAD70}" type="datetimeFigureOut">
               <a:rPr lang="en-US" dirty="0"/>
-              <a:t>3/2/2022</a:t>
+              <a:t>3/3/2022</a:t>
             </a:fld>
             <a:endParaRPr lang="en-US" dirty="0"/>
           </a:p>
@@ -2060,7 +2062,7 @@
           <a:p>
             <a:fld id="{4F7D4976-E339-4826-83B7-FBD03F55ECF8}" type="datetimeFigureOut">
               <a:rPr lang="en-US" dirty="0"/>
-              <a:t>3/2/2022</a:t>
+              <a:t>3/3/2022</a:t>
             </a:fld>
             <a:endParaRPr lang="en-US" dirty="0"/>
           </a:p>
@@ -2196,7 +2198,7 @@
           <a:p>
             <a:fld id="{E1037C31-9E7A-4F99-8774-A0E530DE1A42}" type="datetimeFigureOut">
               <a:rPr lang="en-US" dirty="0"/>
-              <a:t>3/2/2022</a:t>
+              <a:t>3/3/2022</a:t>
             </a:fld>
             <a:endParaRPr lang="en-US" dirty="0"/>
           </a:p>
@@ -2286,7 +2288,7 @@
           <a:p>
             <a:fld id="{C278504F-A551-4DE0-9316-4DCD1D8CC752}" type="datetimeFigureOut">
               <a:rPr lang="en-US" dirty="0"/>
-              <a:t>3/2/2022</a:t>
+              <a:t>3/3/2022</a:t>
             </a:fld>
             <a:endParaRPr lang="en-US" dirty="0"/>
           </a:p>
@@ -2638,7 +2640,7 @@
           <a:p>
             <a:fld id="{D1BE4249-C0D0-4B06-8692-E8BB871AF643}" type="datetimeFigureOut">
               <a:rPr lang="en-US" dirty="0"/>
-              <a:t>3/2/2022</a:t>
+              <a:t>3/3/2022</a:t>
             </a:fld>
             <a:endParaRPr lang="en-US" dirty="0"/>
           </a:p>
@@ -2990,7 +2992,7 @@
           <a:p>
             <a:fld id="{042B0DB6-F5C7-45FB-8CF3-31B45F9C2DAC}" type="datetimeFigureOut">
               <a:rPr lang="en-US" dirty="0"/>
-              <a:t>3/2/2022</a:t>
+              <a:t>3/3/2022</a:t>
             </a:fld>
             <a:endParaRPr lang="en-US" dirty="0"/>
           </a:p>
@@ -3227,7 +3229,7 @@
           <a:p>
             <a:fld id="{1160EA64-D806-43AC-9DF2-F8C432F32B4C}" type="datetimeFigureOut">
               <a:rPr lang="en-US" dirty="0"/>
-              <a:t>3/2/2022</a:t>
+              <a:t>3/3/2022</a:t>
             </a:fld>
             <a:endParaRPr lang="en-US" dirty="0"/>
           </a:p>
@@ -3942,6 +3944,200 @@
           <p:cNvPr id="2" name="Title 1">
             <a:extLst>
               <a:ext uri="{FF2B5EF4-FFF2-40B4-BE49-F238E27FC236}">
+                <a16:creationId xmlns:a16="http://schemas.microsoft.com/office/drawing/2014/main" id="{473D44D4-1751-4976-9286-B17802D4EA8B}"/>
+              </a:ext>
+            </a:extLst>
+          </p:cNvPr>
+          <p:cNvSpPr>
+            <a:spLocks noGrp="1"/>
+          </p:cNvSpPr>
+          <p:nvPr>
+            <p:ph type="title"/>
+          </p:nvPr>
+        </p:nvSpPr>
+        <p:spPr>
+          <a:xfrm>
+            <a:off x="2231135" y="168676"/>
+            <a:ext cx="7729728" cy="665825"/>
+          </a:xfrm>
+        </p:spPr>
+        <p:txBody>
+          <a:bodyPr>
+            <a:normAutofit fontScale="90000"/>
+          </a:bodyPr>
+          <a:lstStyle/>
+          <a:p>
+            <a:br>
+              <a:rPr lang="en-US" dirty="0"/>
+            </a:br>
+            <a:r>
+              <a:rPr lang="en-US" dirty="0"/>
+              <a:t>Use case diagram</a:t>
+            </a:r>
+            <a:br>
+              <a:rPr lang="en-US" dirty="0"/>
+            </a:br>
+            <a:endParaRPr lang="en-IN" dirty="0"/>
+          </a:p>
+        </p:txBody>
+      </p:sp>
+      <p:pic>
+        <p:nvPicPr>
+          <p:cNvPr id="5" name="Content Placeholder 4">
+            <a:extLst>
+              <a:ext uri="{FF2B5EF4-FFF2-40B4-BE49-F238E27FC236}">
+                <a16:creationId xmlns:a16="http://schemas.microsoft.com/office/drawing/2014/main" id="{1CA280F6-3649-42D3-B125-DE98413F7A7B}"/>
+              </a:ext>
+            </a:extLst>
+          </p:cNvPr>
+          <p:cNvPicPr>
+            <a:picLocks noGrp="1" noChangeAspect="1"/>
+          </p:cNvPicPr>
+          <p:nvPr>
+            <p:ph idx="1"/>
+          </p:nvPr>
+        </p:nvPicPr>
+        <p:blipFill>
+          <a:blip r:embed="rId2"/>
+          <a:stretch>
+            <a:fillRect/>
+          </a:stretch>
+        </p:blipFill>
+        <p:spPr>
+          <a:xfrm>
+            <a:off x="973583" y="905523"/>
+            <a:ext cx="10244831" cy="5632881"/>
+          </a:xfrm>
+        </p:spPr>
+      </p:pic>
+    </p:spTree>
+    <p:extLst>
+      <p:ext uri="{BB962C8B-B14F-4D97-AF65-F5344CB8AC3E}">
+        <p14:creationId xmlns:p14="http://schemas.microsoft.com/office/powerpoint/2010/main" val="360947532"/>
+      </p:ext>
+    </p:extLst>
+  </p:cSld>
+  <p:clrMapOvr>
+    <a:masterClrMapping/>
+  </p:clrMapOvr>
+</p:sld>
+</file>
+
+<file path=ppt/slides/slide11.xml><?xml version="1.0" encoding="utf-8"?>
+<p:sld xmlns:a="http://schemas.openxmlformats.org/drawingml/2006/main" xmlns:r="http://schemas.openxmlformats.org/officeDocument/2006/relationships" xmlns:p="http://schemas.openxmlformats.org/presentationml/2006/main">
+  <p:cSld>
+    <p:spTree>
+      <p:nvGrpSpPr>
+        <p:cNvPr id="1" name=""/>
+        <p:cNvGrpSpPr/>
+        <p:nvPr/>
+      </p:nvGrpSpPr>
+      <p:grpSpPr>
+        <a:xfrm>
+          <a:off x="0" y="0"/>
+          <a:ext cx="0" cy="0"/>
+          <a:chOff x="0" y="0"/>
+          <a:chExt cx="0" cy="0"/>
+        </a:xfrm>
+      </p:grpSpPr>
+      <p:sp>
+        <p:nvSpPr>
+          <p:cNvPr id="2" name="Title 1">
+            <a:extLst>
+              <a:ext uri="{FF2B5EF4-FFF2-40B4-BE49-F238E27FC236}">
+                <a16:creationId xmlns:a16="http://schemas.microsoft.com/office/drawing/2014/main" id="{6DB193B0-20B3-472E-B4C1-6BF2181B67F3}"/>
+              </a:ext>
+            </a:extLst>
+          </p:cNvPr>
+          <p:cNvSpPr>
+            <a:spLocks noGrp="1"/>
+          </p:cNvSpPr>
+          <p:nvPr>
+            <p:ph type="title"/>
+          </p:nvPr>
+        </p:nvSpPr>
+        <p:spPr>
+          <a:xfrm>
+            <a:off x="1927815" y="139068"/>
+            <a:ext cx="7729728" cy="1188720"/>
+          </a:xfrm>
+        </p:spPr>
+        <p:txBody>
+          <a:bodyPr>
+            <a:normAutofit/>
+          </a:bodyPr>
+          <a:lstStyle/>
+          <a:p>
+            <a:r>
+              <a:rPr lang="en-IN" dirty="0"/>
+              <a:t>Class Diagram</a:t>
+            </a:r>
+          </a:p>
+        </p:txBody>
+      </p:sp>
+      <p:pic>
+        <p:nvPicPr>
+          <p:cNvPr id="5" name="Content Placeholder 4">
+            <a:extLst>
+              <a:ext uri="{FF2B5EF4-FFF2-40B4-BE49-F238E27FC236}">
+                <a16:creationId xmlns:a16="http://schemas.microsoft.com/office/drawing/2014/main" id="{E6764BE7-5C1E-4592-9D66-604E31172F17}"/>
+              </a:ext>
+            </a:extLst>
+          </p:cNvPr>
+          <p:cNvPicPr>
+            <a:picLocks noGrp="1" noChangeAspect="1"/>
+          </p:cNvPicPr>
+          <p:nvPr>
+            <p:ph idx="1"/>
+          </p:nvPr>
+        </p:nvPicPr>
+        <p:blipFill rotWithShape="1">
+          <a:blip r:embed="rId2"/>
+          <a:srcRect l="31863" t="20263" r="31916" b="17633"/>
+          <a:stretch/>
+        </p:blipFill>
+        <p:spPr>
+          <a:xfrm>
+            <a:off x="1162974" y="1509203"/>
+            <a:ext cx="9259409" cy="4856085"/>
+          </a:xfrm>
+        </p:spPr>
+      </p:pic>
+    </p:spTree>
+    <p:extLst>
+      <p:ext uri="{BB962C8B-B14F-4D97-AF65-F5344CB8AC3E}">
+        <p14:creationId xmlns:p14="http://schemas.microsoft.com/office/powerpoint/2010/main" val="532113188"/>
+      </p:ext>
+    </p:extLst>
+  </p:cSld>
+  <p:clrMapOvr>
+    <a:masterClrMapping/>
+  </p:clrMapOvr>
+</p:sld>
+</file>
+
+<file path=ppt/slides/slide12.xml><?xml version="1.0" encoding="utf-8"?>
+<p:sld xmlns:a="http://schemas.openxmlformats.org/drawingml/2006/main" xmlns:r="http://schemas.openxmlformats.org/officeDocument/2006/relationships" xmlns:p="http://schemas.openxmlformats.org/presentationml/2006/main">
+  <p:cSld>
+    <p:spTree>
+      <p:nvGrpSpPr>
+        <p:cNvPr id="1" name=""/>
+        <p:cNvGrpSpPr/>
+        <p:nvPr/>
+      </p:nvGrpSpPr>
+      <p:grpSpPr>
+        <a:xfrm>
+          <a:off x="0" y="0"/>
+          <a:ext cx="0" cy="0"/>
+          <a:chOff x="0" y="0"/>
+          <a:chExt cx="0" cy="0"/>
+        </a:xfrm>
+      </p:grpSpPr>
+      <p:sp>
+        <p:nvSpPr>
+          <p:cNvPr id="2" name="Title 1">
+            <a:extLst>
+              <a:ext uri="{FF2B5EF4-FFF2-40B4-BE49-F238E27FC236}">
                 <a16:creationId xmlns:a16="http://schemas.microsoft.com/office/drawing/2014/main" id="{712CC70F-92F1-4A2A-BFE2-1ABFB077A9AA}"/>
               </a:ext>
             </a:extLst>
@@ -4020,7 +4216,7 @@
 </p:sld>
 </file>
 
-<file path=ppt/slides/slide11.xml><?xml version="1.0" encoding="utf-8"?>
+<file path=ppt/slides/slide13.xml><?xml version="1.0" encoding="utf-8"?>
 <p:sld xmlns:a="http://schemas.openxmlformats.org/drawingml/2006/main" xmlns:r="http://schemas.openxmlformats.org/officeDocument/2006/relationships" xmlns:p="http://schemas.openxmlformats.org/presentationml/2006/main">
   <p:cSld>
     <p:spTree>
@@ -4713,7 +4909,7 @@
         </p:nvSpPr>
         <p:spPr>
           <a:xfrm>
-            <a:off x="2231136" y="139069"/>
+            <a:off x="2231136" y="112436"/>
             <a:ext cx="7729728" cy="1188720"/>
           </a:xfrm>
         </p:spPr>
@@ -4931,6 +5127,234 @@
 </file>
 
 <file path=ppt/slides/slide7.xml><?xml version="1.0" encoding="utf-8"?>
+<p:sld xmlns:a="http://schemas.openxmlformats.org/drawingml/2006/main" xmlns:r="http://schemas.openxmlformats.org/officeDocument/2006/relationships" xmlns:p="http://schemas.openxmlformats.org/presentationml/2006/main">
+  <p:cSld>
+    <p:spTree>
+      <p:nvGrpSpPr>
+        <p:cNvPr id="1" name=""/>
+        <p:cNvGrpSpPr/>
+        <p:nvPr/>
+      </p:nvGrpSpPr>
+      <p:grpSpPr>
+        <a:xfrm>
+          <a:off x="0" y="0"/>
+          <a:ext cx="0" cy="0"/>
+          <a:chOff x="0" y="0"/>
+          <a:chExt cx="0" cy="0"/>
+        </a:xfrm>
+      </p:grpSpPr>
+      <p:sp>
+        <p:nvSpPr>
+          <p:cNvPr id="2" name="Title 1">
+            <a:extLst>
+              <a:ext uri="{FF2B5EF4-FFF2-40B4-BE49-F238E27FC236}">
+                <a16:creationId xmlns:a16="http://schemas.microsoft.com/office/drawing/2014/main" id="{8DE0B5CA-FEE7-436E-B87D-84CABC1B8F23}"/>
+              </a:ext>
+            </a:extLst>
+          </p:cNvPr>
+          <p:cNvSpPr>
+            <a:spLocks noGrp="1"/>
+          </p:cNvSpPr>
+          <p:nvPr>
+            <p:ph type="title"/>
+          </p:nvPr>
+        </p:nvSpPr>
+        <p:spPr>
+          <a:xfrm>
+            <a:off x="2417567" y="130191"/>
+            <a:ext cx="7729728" cy="1188720"/>
+          </a:xfrm>
+        </p:spPr>
+        <p:txBody>
+          <a:bodyPr/>
+          <a:lstStyle/>
+          <a:p>
+            <a:r>
+              <a:rPr lang="en-US" dirty="0"/>
+              <a:t>Drawbacks of existing system</a:t>
+            </a:r>
+            <a:endParaRPr lang="en-IN" dirty="0"/>
+          </a:p>
+        </p:txBody>
+      </p:sp>
+      <p:sp>
+        <p:nvSpPr>
+          <p:cNvPr id="3" name="Content Placeholder 2">
+            <a:extLst>
+              <a:ext uri="{FF2B5EF4-FFF2-40B4-BE49-F238E27FC236}">
+                <a16:creationId xmlns:a16="http://schemas.microsoft.com/office/drawing/2014/main" id="{7584D0AA-4E5E-4089-9454-D45CBADEC409}"/>
+              </a:ext>
+            </a:extLst>
+          </p:cNvPr>
+          <p:cNvSpPr>
+            <a:spLocks noGrp="1"/>
+          </p:cNvSpPr>
+          <p:nvPr>
+            <p:ph idx="1"/>
+          </p:nvPr>
+        </p:nvSpPr>
+        <p:spPr>
+          <a:xfrm>
+            <a:off x="2497466" y="2451613"/>
+            <a:ext cx="7729728" cy="3101983"/>
+          </a:xfrm>
+        </p:spPr>
+        <p:txBody>
+          <a:bodyPr/>
+          <a:lstStyle/>
+          <a:p>
+            <a:pPr algn="ctr"/>
+            <a:r>
+              <a:rPr lang="en-US" sz="2400" dirty="0"/>
+              <a:t>Not safe for customers. for their transaction.</a:t>
+            </a:r>
+          </a:p>
+          <a:p>
+            <a:pPr algn="ctr"/>
+            <a:r>
+              <a:rPr lang="en-US" sz="2400" dirty="0"/>
+              <a:t>If card pin is leaked, the card can be misused</a:t>
+            </a:r>
+          </a:p>
+          <a:p>
+            <a:pPr algn="ctr"/>
+            <a:endParaRPr lang="en-US" sz="2400" dirty="0"/>
+          </a:p>
+          <a:p>
+            <a:pPr lvl="2"/>
+            <a:endParaRPr lang="en-IN" dirty="0"/>
+          </a:p>
+        </p:txBody>
+      </p:sp>
+    </p:spTree>
+    <p:extLst>
+      <p:ext uri="{BB962C8B-B14F-4D97-AF65-F5344CB8AC3E}">
+        <p14:creationId xmlns:p14="http://schemas.microsoft.com/office/powerpoint/2010/main" val="1152789213"/>
+      </p:ext>
+    </p:extLst>
+  </p:cSld>
+  <p:clrMapOvr>
+    <a:masterClrMapping/>
+  </p:clrMapOvr>
+</p:sld>
+</file>
+
+<file path=ppt/slides/slide8.xml><?xml version="1.0" encoding="utf-8"?>
+<p:sld xmlns:a="http://schemas.openxmlformats.org/drawingml/2006/main" xmlns:r="http://schemas.openxmlformats.org/officeDocument/2006/relationships" xmlns:p="http://schemas.openxmlformats.org/presentationml/2006/main">
+  <p:cSld>
+    <p:spTree>
+      <p:nvGrpSpPr>
+        <p:cNvPr id="1" name=""/>
+        <p:cNvGrpSpPr/>
+        <p:nvPr/>
+      </p:nvGrpSpPr>
+      <p:grpSpPr>
+        <a:xfrm>
+          <a:off x="0" y="0"/>
+          <a:ext cx="0" cy="0"/>
+          <a:chOff x="0" y="0"/>
+          <a:chExt cx="0" cy="0"/>
+        </a:xfrm>
+      </p:grpSpPr>
+      <p:sp>
+        <p:nvSpPr>
+          <p:cNvPr id="2" name="Title 1">
+            <a:extLst>
+              <a:ext uri="{FF2B5EF4-FFF2-40B4-BE49-F238E27FC236}">
+                <a16:creationId xmlns:a16="http://schemas.microsoft.com/office/drawing/2014/main" id="{8EEAC8CE-9C48-4BC1-BD6F-CED9C54CEEC4}"/>
+              </a:ext>
+            </a:extLst>
+          </p:cNvPr>
+          <p:cNvSpPr>
+            <a:spLocks noGrp="1"/>
+          </p:cNvSpPr>
+          <p:nvPr>
+            <p:ph type="title"/>
+          </p:nvPr>
+        </p:nvSpPr>
+        <p:spPr>
+          <a:xfrm>
+            <a:off x="2231136" y="79899"/>
+            <a:ext cx="7729728" cy="1212379"/>
+          </a:xfrm>
+        </p:spPr>
+        <p:txBody>
+          <a:bodyPr/>
+          <a:lstStyle/>
+          <a:p>
+            <a:r>
+              <a:rPr lang="en-US" dirty="0"/>
+              <a:t>Proposed system</a:t>
+            </a:r>
+            <a:endParaRPr lang="en-IN" dirty="0"/>
+          </a:p>
+        </p:txBody>
+      </p:sp>
+      <p:sp>
+        <p:nvSpPr>
+          <p:cNvPr id="3" name="Content Placeholder 2">
+            <a:extLst>
+              <a:ext uri="{FF2B5EF4-FFF2-40B4-BE49-F238E27FC236}">
+                <a16:creationId xmlns:a16="http://schemas.microsoft.com/office/drawing/2014/main" id="{0650BA9C-B0CD-4263-A27B-06908F4C47B2}"/>
+              </a:ext>
+            </a:extLst>
+          </p:cNvPr>
+          <p:cNvSpPr>
+            <a:spLocks noGrp="1"/>
+          </p:cNvSpPr>
+          <p:nvPr>
+            <p:ph idx="1"/>
+          </p:nvPr>
+        </p:nvSpPr>
+        <p:spPr/>
+        <p:txBody>
+          <a:bodyPr/>
+          <a:lstStyle/>
+          <a:p>
+            <a:r>
+              <a:rPr lang="en-US" dirty="0"/>
+              <a:t>An OTP (One Time Password) will be sent to the registered mobile number linked with account every-time when a customer makes a transaction.</a:t>
+            </a:r>
+          </a:p>
+          <a:p>
+            <a:r>
+              <a:rPr lang="en-US" dirty="0"/>
+              <a:t>Transaction will only be committed </a:t>
+            </a:r>
+            <a:r>
+              <a:rPr lang="en-US" dirty="0" err="1"/>
+              <a:t>iff</a:t>
+            </a:r>
+            <a:r>
+              <a:rPr lang="en-US" dirty="0"/>
+              <a:t>, the OTP will be matched.</a:t>
+            </a:r>
+          </a:p>
+          <a:p>
+            <a:r>
+              <a:rPr lang="en-US" dirty="0"/>
+              <a:t>Else the transaction cant be performed.</a:t>
+            </a:r>
+          </a:p>
+          <a:p>
+            <a:endParaRPr lang="en-IN" dirty="0"/>
+          </a:p>
+        </p:txBody>
+      </p:sp>
+    </p:spTree>
+    <p:extLst>
+      <p:ext uri="{BB962C8B-B14F-4D97-AF65-F5344CB8AC3E}">
+        <p14:creationId xmlns:p14="http://schemas.microsoft.com/office/powerpoint/2010/main" val="2406264049"/>
+      </p:ext>
+    </p:extLst>
+  </p:cSld>
+  <p:clrMapOvr>
+    <a:masterClrMapping/>
+  </p:clrMapOvr>
+</p:sld>
+</file>
+
+<file path=ppt/slides/slide9.xml><?xml version="1.0" encoding="utf-8"?>
 <p:sld xmlns:a="http://schemas.openxmlformats.org/drawingml/2006/main" xmlns:r="http://schemas.openxmlformats.org/officeDocument/2006/relationships" xmlns:p="http://schemas.openxmlformats.org/presentationml/2006/main">
   <p:cSld>
     <p:spTree>
@@ -5064,200 +5488,6 @@
     <p:extLst>
       <p:ext uri="{BB962C8B-B14F-4D97-AF65-F5344CB8AC3E}">
         <p14:creationId xmlns:p14="http://schemas.microsoft.com/office/powerpoint/2010/main" val="1697303959"/>
-      </p:ext>
-    </p:extLst>
-  </p:cSld>
-  <p:clrMapOvr>
-    <a:masterClrMapping/>
-  </p:clrMapOvr>
-</p:sld>
-</file>
-
-<file path=ppt/slides/slide8.xml><?xml version="1.0" encoding="utf-8"?>
-<p:sld xmlns:a="http://schemas.openxmlformats.org/drawingml/2006/main" xmlns:r="http://schemas.openxmlformats.org/officeDocument/2006/relationships" xmlns:p="http://schemas.openxmlformats.org/presentationml/2006/main">
-  <p:cSld>
-    <p:spTree>
-      <p:nvGrpSpPr>
-        <p:cNvPr id="1" name=""/>
-        <p:cNvGrpSpPr/>
-        <p:nvPr/>
-      </p:nvGrpSpPr>
-      <p:grpSpPr>
-        <a:xfrm>
-          <a:off x="0" y="0"/>
-          <a:ext cx="0" cy="0"/>
-          <a:chOff x="0" y="0"/>
-          <a:chExt cx="0" cy="0"/>
-        </a:xfrm>
-      </p:grpSpPr>
-      <p:sp>
-        <p:nvSpPr>
-          <p:cNvPr id="2" name="Title 1">
-            <a:extLst>
-              <a:ext uri="{FF2B5EF4-FFF2-40B4-BE49-F238E27FC236}">
-                <a16:creationId xmlns:a16="http://schemas.microsoft.com/office/drawing/2014/main" id="{473D44D4-1751-4976-9286-B17802D4EA8B}"/>
-              </a:ext>
-            </a:extLst>
-          </p:cNvPr>
-          <p:cNvSpPr>
-            <a:spLocks noGrp="1"/>
-          </p:cNvSpPr>
-          <p:nvPr>
-            <p:ph type="title"/>
-          </p:nvPr>
-        </p:nvSpPr>
-        <p:spPr>
-          <a:xfrm>
-            <a:off x="2231135" y="168676"/>
-            <a:ext cx="7729728" cy="665825"/>
-          </a:xfrm>
-        </p:spPr>
-        <p:txBody>
-          <a:bodyPr>
-            <a:normAutofit fontScale="90000"/>
-          </a:bodyPr>
-          <a:lstStyle/>
-          <a:p>
-            <a:br>
-              <a:rPr lang="en-US" dirty="0"/>
-            </a:br>
-            <a:r>
-              <a:rPr lang="en-US" dirty="0"/>
-              <a:t>Use case diagram</a:t>
-            </a:r>
-            <a:br>
-              <a:rPr lang="en-US" dirty="0"/>
-            </a:br>
-            <a:endParaRPr lang="en-IN" dirty="0"/>
-          </a:p>
-        </p:txBody>
-      </p:sp>
-      <p:pic>
-        <p:nvPicPr>
-          <p:cNvPr id="5" name="Content Placeholder 4">
-            <a:extLst>
-              <a:ext uri="{FF2B5EF4-FFF2-40B4-BE49-F238E27FC236}">
-                <a16:creationId xmlns:a16="http://schemas.microsoft.com/office/drawing/2014/main" id="{1CA280F6-3649-42D3-B125-DE98413F7A7B}"/>
-              </a:ext>
-            </a:extLst>
-          </p:cNvPr>
-          <p:cNvPicPr>
-            <a:picLocks noGrp="1" noChangeAspect="1"/>
-          </p:cNvPicPr>
-          <p:nvPr>
-            <p:ph idx="1"/>
-          </p:nvPr>
-        </p:nvPicPr>
-        <p:blipFill>
-          <a:blip r:embed="rId2"/>
-          <a:stretch>
-            <a:fillRect/>
-          </a:stretch>
-        </p:blipFill>
-        <p:spPr>
-          <a:xfrm>
-            <a:off x="973583" y="905523"/>
-            <a:ext cx="10244831" cy="5632881"/>
-          </a:xfrm>
-        </p:spPr>
-      </p:pic>
-    </p:spTree>
-    <p:extLst>
-      <p:ext uri="{BB962C8B-B14F-4D97-AF65-F5344CB8AC3E}">
-        <p14:creationId xmlns:p14="http://schemas.microsoft.com/office/powerpoint/2010/main" val="360947532"/>
-      </p:ext>
-    </p:extLst>
-  </p:cSld>
-  <p:clrMapOvr>
-    <a:masterClrMapping/>
-  </p:clrMapOvr>
-</p:sld>
-</file>
-
-<file path=ppt/slides/slide9.xml><?xml version="1.0" encoding="utf-8"?>
-<p:sld xmlns:a="http://schemas.openxmlformats.org/drawingml/2006/main" xmlns:r="http://schemas.openxmlformats.org/officeDocument/2006/relationships" xmlns:p="http://schemas.openxmlformats.org/presentationml/2006/main">
-  <p:cSld>
-    <p:spTree>
-      <p:nvGrpSpPr>
-        <p:cNvPr id="1" name=""/>
-        <p:cNvGrpSpPr/>
-        <p:nvPr/>
-      </p:nvGrpSpPr>
-      <p:grpSpPr>
-        <a:xfrm>
-          <a:off x="0" y="0"/>
-          <a:ext cx="0" cy="0"/>
-          <a:chOff x="0" y="0"/>
-          <a:chExt cx="0" cy="0"/>
-        </a:xfrm>
-      </p:grpSpPr>
-      <p:sp>
-        <p:nvSpPr>
-          <p:cNvPr id="2" name="Title 1">
-            <a:extLst>
-              <a:ext uri="{FF2B5EF4-FFF2-40B4-BE49-F238E27FC236}">
-                <a16:creationId xmlns:a16="http://schemas.microsoft.com/office/drawing/2014/main" id="{6DB193B0-20B3-472E-B4C1-6BF2181B67F3}"/>
-              </a:ext>
-            </a:extLst>
-          </p:cNvPr>
-          <p:cNvSpPr>
-            <a:spLocks noGrp="1"/>
-          </p:cNvSpPr>
-          <p:nvPr>
-            <p:ph type="title"/>
-          </p:nvPr>
-        </p:nvSpPr>
-        <p:spPr>
-          <a:xfrm>
-            <a:off x="1927815" y="139068"/>
-            <a:ext cx="7729728" cy="1188720"/>
-          </a:xfrm>
-        </p:spPr>
-        <p:txBody>
-          <a:bodyPr>
-            <a:normAutofit/>
-          </a:bodyPr>
-          <a:lstStyle/>
-          <a:p>
-            <a:r>
-              <a:rPr lang="en-IN" dirty="0"/>
-              <a:t>Class Diagram</a:t>
-            </a:r>
-          </a:p>
-        </p:txBody>
-      </p:sp>
-      <p:pic>
-        <p:nvPicPr>
-          <p:cNvPr id="5" name="Content Placeholder 4">
-            <a:extLst>
-              <a:ext uri="{FF2B5EF4-FFF2-40B4-BE49-F238E27FC236}">
-                <a16:creationId xmlns:a16="http://schemas.microsoft.com/office/drawing/2014/main" id="{E6764BE7-5C1E-4592-9D66-604E31172F17}"/>
-              </a:ext>
-            </a:extLst>
-          </p:cNvPr>
-          <p:cNvPicPr>
-            <a:picLocks noGrp="1" noChangeAspect="1"/>
-          </p:cNvPicPr>
-          <p:nvPr>
-            <p:ph idx="1"/>
-          </p:nvPr>
-        </p:nvPicPr>
-        <p:blipFill rotWithShape="1">
-          <a:blip r:embed="rId2"/>
-          <a:srcRect l="31863" t="20263" r="31916" b="17633"/>
-          <a:stretch/>
-        </p:blipFill>
-        <p:spPr>
-          <a:xfrm>
-            <a:off x="1162974" y="1509203"/>
-            <a:ext cx="9259409" cy="4856085"/>
-          </a:xfrm>
-        </p:spPr>
-      </p:pic>
-    </p:spTree>
-    <p:extLst>
-      <p:ext uri="{BB962C8B-B14F-4D97-AF65-F5344CB8AC3E}">
-        <p14:creationId xmlns:p14="http://schemas.microsoft.com/office/powerpoint/2010/main" val="532113188"/>
       </p:ext>
     </p:extLst>
   </p:cSld>
